--- a/slides/NodeJs (ExpressJs).pptx
+++ b/slides/NodeJs (ExpressJs).pptx
@@ -19,6 +19,10 @@
     <p:sldId id="267" r:id="rId13"/>
     <p:sldId id="268" r:id="rId14"/>
     <p:sldId id="269" r:id="rId15"/>
+    <p:sldId id="270" r:id="rId16"/>
+    <p:sldId id="271" r:id="rId17"/>
+    <p:sldId id="272" r:id="rId18"/>
+    <p:sldId id="273" r:id="rId19"/>
   </p:sldIdLst>
   <p:sldSz cx="12192000" cy="6858000"/>
   <p:notesSz cx="6858000" cy="9144000"/>
@@ -460,7 +464,7 @@
           <a:p>
             <a:fld id="{3657AA7F-BE72-4467-897E-7A302F46504F}" type="datetimeFigureOut">
               <a:rPr lang="en-US" smtClean="0"/>
-              <a:t>5/18/2023</a:t>
+              <a:t>5/19/2023</a:t>
             </a:fld>
             <a:endParaRPr lang="en-US"/>
           </a:p>
@@ -1549,7 +1553,7 @@
             <a:fld id="{3657AA7F-BE72-4467-897E-7A302F46504F}" type="datetimeFigureOut">
               <a:rPr lang="en-US" smtClean="0"/>
               <a:pPr/>
-              <a:t>5/18/2023</a:t>
+              <a:t>5/19/2023</a:t>
             </a:fld>
             <a:endParaRPr lang="en-US" dirty="0"/>
           </a:p>
@@ -2535,7 +2539,7 @@
             <a:fld id="{3657AA7F-BE72-4467-897E-7A302F46504F}" type="datetimeFigureOut">
               <a:rPr lang="en-US" smtClean="0"/>
               <a:pPr/>
-              <a:t>5/18/2023</a:t>
+              <a:t>5/19/2023</a:t>
             </a:fld>
             <a:endParaRPr lang="en-US" dirty="0"/>
           </a:p>
@@ -3675,7 +3679,7 @@
             <a:fld id="{3657AA7F-BE72-4467-897E-7A302F46504F}" type="datetimeFigureOut">
               <a:rPr lang="en-US" smtClean="0"/>
               <a:pPr/>
-              <a:t>5/18/2023</a:t>
+              <a:t>5/19/2023</a:t>
             </a:fld>
             <a:endParaRPr lang="en-US" dirty="0"/>
           </a:p>
@@ -4714,7 +4718,7 @@
             <a:fld id="{3657AA7F-BE72-4467-897E-7A302F46504F}" type="datetimeFigureOut">
               <a:rPr lang="en-US" smtClean="0"/>
               <a:pPr/>
-              <a:t>5/18/2023</a:t>
+              <a:t>5/19/2023</a:t>
             </a:fld>
             <a:endParaRPr lang="en-US" dirty="0"/>
           </a:p>
@@ -5380,7 +5384,7 @@
             <a:fld id="{3657AA7F-BE72-4467-897E-7A302F46504F}" type="datetimeFigureOut">
               <a:rPr lang="en-US" smtClean="0"/>
               <a:pPr/>
-              <a:t>5/18/2023</a:t>
+              <a:t>5/19/2023</a:t>
             </a:fld>
             <a:endParaRPr lang="en-US" dirty="0"/>
           </a:p>
@@ -6247,7 +6251,7 @@
             <a:fld id="{3657AA7F-BE72-4467-897E-7A302F46504F}" type="datetimeFigureOut">
               <a:rPr lang="en-US" smtClean="0"/>
               <a:pPr/>
-              <a:t>5/18/2023</a:t>
+              <a:t>5/19/2023</a:t>
             </a:fld>
             <a:endParaRPr lang="en-US" dirty="0"/>
           </a:p>
@@ -6442,7 +6446,7 @@
           <a:p>
             <a:fld id="{3657AA7F-BE72-4467-897E-7A302F46504F}" type="datetimeFigureOut">
               <a:rPr lang="en-US" smtClean="0"/>
-              <a:t>5/18/2023</a:t>
+              <a:t>5/19/2023</a:t>
             </a:fld>
             <a:endParaRPr lang="en-US"/>
           </a:p>
@@ -7414,7 +7418,7 @@
           <a:p>
             <a:fld id="{3657AA7F-BE72-4467-897E-7A302F46504F}" type="datetimeFigureOut">
               <a:rPr lang="en-US" smtClean="0"/>
-              <a:t>5/18/2023</a:t>
+              <a:t>5/19/2023</a:t>
             </a:fld>
             <a:endParaRPr lang="en-US"/>
           </a:p>
@@ -7625,7 +7629,7 @@
           <a:p>
             <a:fld id="{3657AA7F-BE72-4467-897E-7A302F46504F}" type="datetimeFigureOut">
               <a:rPr lang="en-US" smtClean="0"/>
-              <a:t>5/18/2023</a:t>
+              <a:t>5/19/2023</a:t>
             </a:fld>
             <a:endParaRPr lang="en-US"/>
           </a:p>
@@ -8659,7 +8663,7 @@
           <a:p>
             <a:fld id="{3657AA7F-BE72-4467-897E-7A302F46504F}" type="datetimeFigureOut">
               <a:rPr lang="en-US" smtClean="0"/>
-              <a:t>5/18/2023</a:t>
+              <a:t>5/19/2023</a:t>
             </a:fld>
             <a:endParaRPr lang="en-US"/>
           </a:p>
@@ -8931,7 +8935,7 @@
           <a:p>
             <a:fld id="{3657AA7F-BE72-4467-897E-7A302F46504F}" type="datetimeFigureOut">
               <a:rPr lang="en-US" smtClean="0"/>
-              <a:t>5/18/2023</a:t>
+              <a:t>5/19/2023</a:t>
             </a:fld>
             <a:endParaRPr lang="en-US"/>
           </a:p>
@@ -9341,7 +9345,7 @@
           <a:p>
             <a:fld id="{3657AA7F-BE72-4467-897E-7A302F46504F}" type="datetimeFigureOut">
               <a:rPr lang="en-US" smtClean="0"/>
-              <a:t>5/18/2023</a:t>
+              <a:t>5/19/2023</a:t>
             </a:fld>
             <a:endParaRPr lang="en-US"/>
           </a:p>
@@ -9468,7 +9472,7 @@
           <a:p>
             <a:fld id="{3657AA7F-BE72-4467-897E-7A302F46504F}" type="datetimeFigureOut">
               <a:rPr lang="en-US" smtClean="0"/>
-              <a:t>5/18/2023</a:t>
+              <a:t>5/19/2023</a:t>
             </a:fld>
             <a:endParaRPr lang="en-US"/>
           </a:p>
@@ -9563,7 +9567,7 @@
           <a:p>
             <a:fld id="{3657AA7F-BE72-4467-897E-7A302F46504F}" type="datetimeFigureOut">
               <a:rPr lang="en-US" smtClean="0"/>
-              <a:t>5/18/2023</a:t>
+              <a:t>5/19/2023</a:t>
             </a:fld>
             <a:endParaRPr lang="en-US"/>
           </a:p>
@@ -10644,7 +10648,7 @@
           <a:p>
             <a:fld id="{3657AA7F-BE72-4467-897E-7A302F46504F}" type="datetimeFigureOut">
               <a:rPr lang="en-US" smtClean="0"/>
-              <a:t>5/18/2023</a:t>
+              <a:t>5/19/2023</a:t>
             </a:fld>
             <a:endParaRPr lang="en-US"/>
           </a:p>
@@ -11752,7 +11756,7 @@
           <a:p>
             <a:fld id="{3657AA7F-BE72-4467-897E-7A302F46504F}" type="datetimeFigureOut">
               <a:rPr lang="en-US" smtClean="0"/>
-              <a:t>5/18/2023</a:t>
+              <a:t>5/19/2023</a:t>
             </a:fld>
             <a:endParaRPr lang="en-US"/>
           </a:p>
@@ -12750,7 +12754,7 @@
             <a:fld id="{3657AA7F-BE72-4467-897E-7A302F46504F}" type="datetimeFigureOut">
               <a:rPr lang="en-US" smtClean="0"/>
               <a:pPr/>
-              <a:t>5/18/2023</a:t>
+              <a:t>5/19/2023</a:t>
             </a:fld>
             <a:endParaRPr lang="en-US" dirty="0"/>
           </a:p>
@@ -16070,6 +16074,1983 @@
 </p:sld>
 </file>
 
+<file path=ppt/slides/slide15.xml><?xml version="1.0" encoding="utf-8"?>
+<p:sld xmlns:a="http://schemas.openxmlformats.org/drawingml/2006/main" xmlns:r="http://schemas.openxmlformats.org/officeDocument/2006/relationships" xmlns:p="http://schemas.openxmlformats.org/presentationml/2006/main">
+  <p:cSld>
+    <p:bg>
+      <p:bgPr>
+        <a:solidFill>
+          <a:schemeClr val="bg2"/>
+        </a:solidFill>
+        <a:effectLst/>
+      </p:bgPr>
+    </p:bg>
+    <p:spTree>
+      <p:nvGrpSpPr>
+        <p:cNvPr id="1" name=""/>
+        <p:cNvGrpSpPr/>
+        <p:nvPr/>
+      </p:nvGrpSpPr>
+      <p:grpSpPr>
+        <a:xfrm>
+          <a:off x="0" y="0"/>
+          <a:ext cx="0" cy="0"/>
+          <a:chOff x="0" y="0"/>
+          <a:chExt cx="0" cy="0"/>
+        </a:xfrm>
+      </p:grpSpPr>
+      <p:sp>
+        <p:nvSpPr>
+          <p:cNvPr id="2" name="Title 1">
+            <a:extLst>
+              <a:ext uri="{FF2B5EF4-FFF2-40B4-BE49-F238E27FC236}">
+                <a16:creationId xmlns:a16="http://schemas.microsoft.com/office/drawing/2014/main" id="{B6E59C83-5510-C693-DAA9-0BBB2244584A}"/>
+              </a:ext>
+            </a:extLst>
+          </p:cNvPr>
+          <p:cNvSpPr>
+            <a:spLocks noGrp="1"/>
+          </p:cNvSpPr>
+          <p:nvPr>
+            <p:ph type="ctrTitle"/>
+          </p:nvPr>
+        </p:nvSpPr>
+        <p:spPr>
+          <a:xfrm>
+            <a:off x="571571" y="346076"/>
+            <a:ext cx="10233804" cy="879475"/>
+          </a:xfrm>
+        </p:spPr>
+        <p:txBody>
+          <a:bodyPr>
+            <a:noAutofit/>
+          </a:bodyPr>
+          <a:lstStyle/>
+          <a:p>
+            <a:pPr algn="l"/>
+            <a:r>
+              <a:rPr lang="en-US" sz="3200" b="1" dirty="0">
+                <a:solidFill>
+                  <a:schemeClr val="bg1"/>
+                </a:solidFill>
+              </a:rPr>
+              <a:t>mongoose package</a:t>
+            </a:r>
+          </a:p>
+        </p:txBody>
+      </p:sp>
+      <p:sp>
+        <p:nvSpPr>
+          <p:cNvPr id="3" name="Subtitle 2">
+            <a:extLst>
+              <a:ext uri="{FF2B5EF4-FFF2-40B4-BE49-F238E27FC236}">
+                <a16:creationId xmlns:a16="http://schemas.microsoft.com/office/drawing/2014/main" id="{F91243E7-A1F2-2FFC-130B-D30DB430FC88}"/>
+              </a:ext>
+            </a:extLst>
+          </p:cNvPr>
+          <p:cNvSpPr>
+            <a:spLocks noGrp="1"/>
+          </p:cNvSpPr>
+          <p:nvPr>
+            <p:ph type="subTitle" idx="1"/>
+          </p:nvPr>
+        </p:nvSpPr>
+        <p:spPr>
+          <a:xfrm>
+            <a:off x="558698" y="1300617"/>
+            <a:ext cx="8449157" cy="5452879"/>
+          </a:xfrm>
+        </p:spPr>
+        <p:txBody>
+          <a:bodyPr>
+            <a:normAutofit/>
+          </a:bodyPr>
+          <a:lstStyle/>
+          <a:p>
+            <a:pPr marL="285750" indent="-285750" algn="l">
+              <a:buFont typeface="Arial" panose="020B0604020202020204" pitchFamily="34" charset="0"/>
+              <a:buChar char="•"/>
+            </a:pPr>
+            <a:r>
+              <a:rPr lang="en-US" cap="none" dirty="0">
+                <a:solidFill>
+                  <a:schemeClr val="bg1"/>
+                </a:solidFill>
+                <a:latin typeface="Calibri" panose="020F0502020204030204" pitchFamily="34" charset="0"/>
+                <a:cs typeface="Calibri" panose="020F0502020204030204" pitchFamily="34" charset="0"/>
+              </a:rPr>
+              <a:t>To install this package</a:t>
+            </a:r>
+            <a:br>
+              <a:rPr lang="en-US" cap="none" dirty="0">
+                <a:solidFill>
+                  <a:schemeClr val="bg1"/>
+                </a:solidFill>
+                <a:latin typeface="Calibri" panose="020F0502020204030204" pitchFamily="34" charset="0"/>
+                <a:cs typeface="Calibri" panose="020F0502020204030204" pitchFamily="34" charset="0"/>
+              </a:rPr>
+            </a:br>
+            <a:r>
+              <a:rPr lang="en-US" cap="none" dirty="0">
+                <a:solidFill>
+                  <a:schemeClr val="bg1"/>
+                </a:solidFill>
+                <a:latin typeface="Calibri" panose="020F0502020204030204" pitchFamily="34" charset="0"/>
+                <a:cs typeface="Calibri" panose="020F0502020204030204" pitchFamily="34" charset="0"/>
+              </a:rPr>
+              <a:t>		</a:t>
+            </a:r>
+            <a:r>
+              <a:rPr lang="en-US" cap="none" dirty="0" err="1">
+                <a:solidFill>
+                  <a:schemeClr val="bg1"/>
+                </a:solidFill>
+                <a:latin typeface="Calibri" panose="020F0502020204030204" pitchFamily="34" charset="0"/>
+                <a:cs typeface="Calibri" panose="020F0502020204030204" pitchFamily="34" charset="0"/>
+              </a:rPr>
+              <a:t>npm</a:t>
+            </a:r>
+            <a:r>
+              <a:rPr lang="en-US" cap="none" dirty="0">
+                <a:solidFill>
+                  <a:schemeClr val="bg1"/>
+                </a:solidFill>
+                <a:latin typeface="Calibri" panose="020F0502020204030204" pitchFamily="34" charset="0"/>
+                <a:cs typeface="Calibri" panose="020F0502020204030204" pitchFamily="34" charset="0"/>
+              </a:rPr>
+              <a:t> install mongoose</a:t>
+            </a:r>
+          </a:p>
+          <a:p>
+            <a:pPr marL="285750" indent="-285750" algn="l">
+              <a:buFont typeface="Arial" panose="020B0604020202020204" pitchFamily="34" charset="0"/>
+              <a:buChar char="•"/>
+            </a:pPr>
+            <a:r>
+              <a:rPr lang="en-US" cap="none" dirty="0">
+                <a:solidFill>
+                  <a:schemeClr val="bg1"/>
+                </a:solidFill>
+                <a:latin typeface="Calibri" panose="020F0502020204030204" pitchFamily="34" charset="0"/>
+                <a:cs typeface="Calibri" panose="020F0502020204030204" pitchFamily="34" charset="0"/>
+              </a:rPr>
+              <a:t>Mongoose is ORM that is used to save, get, patch and delete data to MongoDB by using functions</a:t>
+            </a:r>
+          </a:p>
+          <a:p>
+            <a:pPr marL="285750" indent="-285750" algn="l">
+              <a:buFont typeface="Arial" panose="020B0604020202020204" pitchFamily="34" charset="0"/>
+              <a:buChar char="•"/>
+            </a:pPr>
+            <a:r>
+              <a:rPr lang="en-US" cap="none" dirty="0">
+                <a:solidFill>
+                  <a:schemeClr val="bg1"/>
+                </a:solidFill>
+                <a:latin typeface="Calibri" panose="020F0502020204030204" pitchFamily="34" charset="0"/>
+                <a:cs typeface="Calibri" panose="020F0502020204030204" pitchFamily="34" charset="0"/>
+              </a:rPr>
+              <a:t>For Connection</a:t>
+            </a:r>
+            <a:br>
+              <a:rPr lang="en-US" cap="none" dirty="0">
+                <a:solidFill>
+                  <a:schemeClr val="bg1"/>
+                </a:solidFill>
+                <a:latin typeface="Calibri" panose="020F0502020204030204" pitchFamily="34" charset="0"/>
+                <a:cs typeface="Calibri" panose="020F0502020204030204" pitchFamily="34" charset="0"/>
+              </a:rPr>
+            </a:br>
+            <a:r>
+              <a:rPr lang="en-US" cap="none" dirty="0">
+                <a:solidFill>
+                  <a:schemeClr val="bg1"/>
+                </a:solidFill>
+                <a:latin typeface="Calibri" panose="020F0502020204030204" pitchFamily="34" charset="0"/>
+                <a:cs typeface="Calibri" panose="020F0502020204030204" pitchFamily="34" charset="0"/>
+              </a:rPr>
+              <a:t>		</a:t>
+            </a:r>
+            <a:r>
+              <a:rPr lang="en-US" cap="none" dirty="0" err="1">
+                <a:solidFill>
+                  <a:schemeClr val="bg1"/>
+                </a:solidFill>
+                <a:latin typeface="Calibri" panose="020F0502020204030204" pitchFamily="34" charset="0"/>
+                <a:cs typeface="Calibri" panose="020F0502020204030204" pitchFamily="34" charset="0"/>
+              </a:rPr>
+              <a:t>mongoose.connect</a:t>
+            </a:r>
+            <a:r>
+              <a:rPr lang="en-US" cap="none" dirty="0">
+                <a:solidFill>
+                  <a:schemeClr val="bg1"/>
+                </a:solidFill>
+                <a:latin typeface="Calibri" panose="020F0502020204030204" pitchFamily="34" charset="0"/>
+                <a:cs typeface="Calibri" panose="020F0502020204030204" pitchFamily="34" charset="0"/>
+              </a:rPr>
+              <a:t>(&lt;DB_URL&gt;)</a:t>
+            </a:r>
+          </a:p>
+          <a:p>
+            <a:pPr marL="285750" indent="-285750" algn="l">
+              <a:buFont typeface="Arial" panose="020B0604020202020204" pitchFamily="34" charset="0"/>
+              <a:buChar char="•"/>
+            </a:pPr>
+            <a:r>
+              <a:rPr lang="en-US" cap="none" dirty="0">
+                <a:solidFill>
+                  <a:schemeClr val="bg1"/>
+                </a:solidFill>
+                <a:latin typeface="Calibri" panose="020F0502020204030204" pitchFamily="34" charset="0"/>
+                <a:cs typeface="Calibri" panose="020F0502020204030204" pitchFamily="34" charset="0"/>
+              </a:rPr>
+              <a:t>Important functions</a:t>
+            </a:r>
+          </a:p>
+          <a:p>
+            <a:pPr marL="742950" lvl="1" indent="-285750" algn="l">
+              <a:buFont typeface="Arial" panose="020B0604020202020204" pitchFamily="34" charset="0"/>
+              <a:buChar char="•"/>
+            </a:pPr>
+            <a:r>
+              <a:rPr lang="en-US" dirty="0" err="1">
+                <a:solidFill>
+                  <a:schemeClr val="bg1"/>
+                </a:solidFill>
+                <a:latin typeface="Calibri" panose="020F0502020204030204" pitchFamily="34" charset="0"/>
+                <a:cs typeface="Calibri" panose="020F0502020204030204" pitchFamily="34" charset="0"/>
+              </a:rPr>
+              <a:t>findOne</a:t>
+            </a:r>
+            <a:r>
+              <a:rPr lang="en-US" dirty="0">
+                <a:solidFill>
+                  <a:schemeClr val="bg1"/>
+                </a:solidFill>
+                <a:latin typeface="Calibri" panose="020F0502020204030204" pitchFamily="34" charset="0"/>
+                <a:cs typeface="Calibri" panose="020F0502020204030204" pitchFamily="34" charset="0"/>
+              </a:rPr>
+              <a:t>() -&gt; return single object</a:t>
+            </a:r>
+          </a:p>
+          <a:p>
+            <a:pPr marL="742950" lvl="1" indent="-285750" algn="l">
+              <a:buFont typeface="Arial" panose="020B0604020202020204" pitchFamily="34" charset="0"/>
+              <a:buChar char="•"/>
+            </a:pPr>
+            <a:r>
+              <a:rPr lang="en-US" cap="none" dirty="0" err="1">
+                <a:solidFill>
+                  <a:schemeClr val="bg1"/>
+                </a:solidFill>
+                <a:latin typeface="Calibri" panose="020F0502020204030204" pitchFamily="34" charset="0"/>
+                <a:cs typeface="Calibri" panose="020F0502020204030204" pitchFamily="34" charset="0"/>
+              </a:rPr>
+              <a:t>findByI</a:t>
+            </a:r>
+            <a:r>
+              <a:rPr lang="en-US" dirty="0" err="1">
+                <a:solidFill>
+                  <a:schemeClr val="bg1"/>
+                </a:solidFill>
+                <a:latin typeface="Calibri" panose="020F0502020204030204" pitchFamily="34" charset="0"/>
+                <a:cs typeface="Calibri" panose="020F0502020204030204" pitchFamily="34" charset="0"/>
+              </a:rPr>
+              <a:t>d</a:t>
+            </a:r>
+            <a:r>
+              <a:rPr lang="en-US" dirty="0">
+                <a:solidFill>
+                  <a:schemeClr val="bg1"/>
+                </a:solidFill>
+                <a:latin typeface="Calibri" panose="020F0502020204030204" pitchFamily="34" charset="0"/>
+                <a:cs typeface="Calibri" panose="020F0502020204030204" pitchFamily="34" charset="0"/>
+              </a:rPr>
+              <a:t>() -&gt; return single object</a:t>
+            </a:r>
+          </a:p>
+          <a:p>
+            <a:pPr marL="742950" lvl="1" indent="-285750" algn="l">
+              <a:buFont typeface="Arial" panose="020B0604020202020204" pitchFamily="34" charset="0"/>
+              <a:buChar char="•"/>
+            </a:pPr>
+            <a:r>
+              <a:rPr lang="en-US" dirty="0">
+                <a:solidFill>
+                  <a:schemeClr val="bg1"/>
+                </a:solidFill>
+                <a:latin typeface="Calibri" panose="020F0502020204030204" pitchFamily="34" charset="0"/>
+                <a:cs typeface="Calibri" panose="020F0502020204030204" pitchFamily="34" charset="0"/>
+              </a:rPr>
+              <a:t>find() -&gt; return array</a:t>
+            </a:r>
+          </a:p>
+          <a:p>
+            <a:pPr marL="742950" lvl="1" indent="-285750" algn="l">
+              <a:buFont typeface="Arial" panose="020B0604020202020204" pitchFamily="34" charset="0"/>
+              <a:buChar char="•"/>
+            </a:pPr>
+            <a:r>
+              <a:rPr lang="en-US" cap="none" dirty="0" err="1">
+                <a:solidFill>
+                  <a:schemeClr val="bg1"/>
+                </a:solidFill>
+                <a:latin typeface="Calibri" panose="020F0502020204030204" pitchFamily="34" charset="0"/>
+                <a:cs typeface="Calibri" panose="020F0502020204030204" pitchFamily="34" charset="0"/>
+              </a:rPr>
+              <a:t>findByIdAndUpdate</a:t>
+            </a:r>
+            <a:r>
+              <a:rPr lang="en-US" cap="none" dirty="0">
+                <a:solidFill>
+                  <a:schemeClr val="bg1"/>
+                </a:solidFill>
+                <a:latin typeface="Calibri" panose="020F0502020204030204" pitchFamily="34" charset="0"/>
+                <a:cs typeface="Calibri" panose="020F0502020204030204" pitchFamily="34" charset="0"/>
+              </a:rPr>
+              <a:t>() -&gt; use to find document by id and update that document</a:t>
+            </a:r>
+          </a:p>
+          <a:p>
+            <a:pPr marL="742950" lvl="1" indent="-285750" algn="l">
+              <a:buFont typeface="Arial" panose="020B0604020202020204" pitchFamily="34" charset="0"/>
+              <a:buChar char="•"/>
+            </a:pPr>
+            <a:r>
+              <a:rPr lang="en-US" dirty="0" err="1">
+                <a:solidFill>
+                  <a:schemeClr val="bg1"/>
+                </a:solidFill>
+                <a:latin typeface="Calibri" panose="020F0502020204030204" pitchFamily="34" charset="0"/>
+                <a:cs typeface="Calibri" panose="020F0502020204030204" pitchFamily="34" charset="0"/>
+              </a:rPr>
+              <a:t>findByIdAndDelete</a:t>
+            </a:r>
+            <a:r>
+              <a:rPr lang="en-US" dirty="0">
+                <a:solidFill>
+                  <a:schemeClr val="bg1"/>
+                </a:solidFill>
+                <a:latin typeface="Calibri" panose="020F0502020204030204" pitchFamily="34" charset="0"/>
+                <a:cs typeface="Calibri" panose="020F0502020204030204" pitchFamily="34" charset="0"/>
+              </a:rPr>
+              <a:t>() -&gt; use to find document by id and delete the document</a:t>
+            </a:r>
+          </a:p>
+          <a:p>
+            <a:pPr marL="742950" lvl="1" indent="-285750" algn="l">
+              <a:buFont typeface="Arial" panose="020B0604020202020204" pitchFamily="34" charset="0"/>
+              <a:buChar char="•"/>
+            </a:pPr>
+            <a:r>
+              <a:rPr lang="en-US" cap="none" dirty="0">
+                <a:solidFill>
+                  <a:schemeClr val="bg1"/>
+                </a:solidFill>
+                <a:latin typeface="Calibri" panose="020F0502020204030204" pitchFamily="34" charset="0"/>
+                <a:cs typeface="Calibri" panose="020F0502020204030204" pitchFamily="34" charset="0"/>
+              </a:rPr>
+              <a:t>save() -&gt; use to save document / data</a:t>
+            </a:r>
+            <a:br>
+              <a:rPr lang="en-US" cap="none" dirty="0">
+                <a:solidFill>
+                  <a:schemeClr val="bg1"/>
+                </a:solidFill>
+                <a:latin typeface="Calibri" panose="020F0502020204030204" pitchFamily="34" charset="0"/>
+                <a:cs typeface="Calibri" panose="020F0502020204030204" pitchFamily="34" charset="0"/>
+              </a:rPr>
+            </a:br>
+            <a:r>
+              <a:rPr lang="en-US" cap="none" dirty="0">
+                <a:solidFill>
+                  <a:schemeClr val="bg1"/>
+                </a:solidFill>
+                <a:latin typeface="Calibri" panose="020F0502020204030204" pitchFamily="34" charset="0"/>
+                <a:cs typeface="Calibri" panose="020F0502020204030204" pitchFamily="34" charset="0"/>
+              </a:rPr>
+              <a:t>			</a:t>
+            </a:r>
+          </a:p>
+        </p:txBody>
+      </p:sp>
+    </p:spTree>
+    <p:extLst>
+      <p:ext uri="{BB962C8B-B14F-4D97-AF65-F5344CB8AC3E}">
+        <p14:creationId xmlns:p14="http://schemas.microsoft.com/office/powerpoint/2010/main" val="3242604058"/>
+      </p:ext>
+    </p:extLst>
+  </p:cSld>
+  <p:clrMapOvr>
+    <a:masterClrMapping/>
+  </p:clrMapOvr>
+</p:sld>
+</file>
+
+<file path=ppt/slides/slide16.xml><?xml version="1.0" encoding="utf-8"?>
+<p:sld xmlns:a="http://schemas.openxmlformats.org/drawingml/2006/main" xmlns:r="http://schemas.openxmlformats.org/officeDocument/2006/relationships" xmlns:p="http://schemas.openxmlformats.org/presentationml/2006/main">
+  <p:cSld>
+    <p:bg>
+      <p:bgPr>
+        <a:solidFill>
+          <a:schemeClr val="bg2"/>
+        </a:solidFill>
+        <a:effectLst/>
+      </p:bgPr>
+    </p:bg>
+    <p:spTree>
+      <p:nvGrpSpPr>
+        <p:cNvPr id="1" name=""/>
+        <p:cNvGrpSpPr/>
+        <p:nvPr/>
+      </p:nvGrpSpPr>
+      <p:grpSpPr>
+        <a:xfrm>
+          <a:off x="0" y="0"/>
+          <a:ext cx="0" cy="0"/>
+          <a:chOff x="0" y="0"/>
+          <a:chExt cx="0" cy="0"/>
+        </a:xfrm>
+      </p:grpSpPr>
+      <p:sp>
+        <p:nvSpPr>
+          <p:cNvPr id="2" name="Title 1">
+            <a:extLst>
+              <a:ext uri="{FF2B5EF4-FFF2-40B4-BE49-F238E27FC236}">
+                <a16:creationId xmlns:a16="http://schemas.microsoft.com/office/drawing/2014/main" id="{B6E59C83-5510-C693-DAA9-0BBB2244584A}"/>
+              </a:ext>
+            </a:extLst>
+          </p:cNvPr>
+          <p:cNvSpPr>
+            <a:spLocks noGrp="1"/>
+          </p:cNvSpPr>
+          <p:nvPr>
+            <p:ph type="ctrTitle"/>
+          </p:nvPr>
+        </p:nvSpPr>
+        <p:spPr>
+          <a:xfrm>
+            <a:off x="571571" y="346076"/>
+            <a:ext cx="10233804" cy="879475"/>
+          </a:xfrm>
+        </p:spPr>
+        <p:txBody>
+          <a:bodyPr>
+            <a:noAutofit/>
+          </a:bodyPr>
+          <a:lstStyle/>
+          <a:p>
+            <a:pPr algn="l"/>
+            <a:r>
+              <a:rPr lang="en-US" sz="3200" b="1" dirty="0">
+                <a:solidFill>
+                  <a:schemeClr val="bg1"/>
+                </a:solidFill>
+              </a:rPr>
+              <a:t>Model</a:t>
+            </a:r>
+          </a:p>
+        </p:txBody>
+      </p:sp>
+      <p:sp>
+        <p:nvSpPr>
+          <p:cNvPr id="3" name="Subtitle 2">
+            <a:extLst>
+              <a:ext uri="{FF2B5EF4-FFF2-40B4-BE49-F238E27FC236}">
+                <a16:creationId xmlns:a16="http://schemas.microsoft.com/office/drawing/2014/main" id="{F91243E7-A1F2-2FFC-130B-D30DB430FC88}"/>
+              </a:ext>
+            </a:extLst>
+          </p:cNvPr>
+          <p:cNvSpPr>
+            <a:spLocks noGrp="1"/>
+          </p:cNvSpPr>
+          <p:nvPr>
+            <p:ph type="subTitle" idx="1"/>
+          </p:nvPr>
+        </p:nvSpPr>
+        <p:spPr>
+          <a:xfrm>
+            <a:off x="558698" y="1300617"/>
+            <a:ext cx="8449157" cy="5452879"/>
+          </a:xfrm>
+        </p:spPr>
+        <p:txBody>
+          <a:bodyPr>
+            <a:normAutofit/>
+          </a:bodyPr>
+          <a:lstStyle/>
+          <a:p>
+            <a:pPr marL="285750" indent="-285750" algn="l">
+              <a:buFont typeface="Arial" panose="020B0604020202020204" pitchFamily="34" charset="0"/>
+              <a:buChar char="•"/>
+            </a:pPr>
+            <a:r>
+              <a:rPr lang="en-US" cap="none" dirty="0">
+                <a:solidFill>
+                  <a:schemeClr val="bg1"/>
+                </a:solidFill>
+                <a:latin typeface="Calibri" panose="020F0502020204030204" pitchFamily="34" charset="0"/>
+                <a:cs typeface="Calibri" panose="020F0502020204030204" pitchFamily="34" charset="0"/>
+              </a:rPr>
+              <a:t>Model is a structure of document that will be save in </a:t>
+            </a:r>
+            <a:r>
+              <a:rPr lang="en-US" cap="none" dirty="0" err="1">
+                <a:solidFill>
+                  <a:schemeClr val="bg1"/>
+                </a:solidFill>
+                <a:latin typeface="Calibri" panose="020F0502020204030204" pitchFamily="34" charset="0"/>
+                <a:cs typeface="Calibri" panose="020F0502020204030204" pitchFamily="34" charset="0"/>
+              </a:rPr>
+              <a:t>mongoDB</a:t>
+            </a:r>
+            <a:endParaRPr lang="en-US" cap="none" dirty="0">
+              <a:solidFill>
+                <a:schemeClr val="bg1"/>
+              </a:solidFill>
+              <a:latin typeface="Calibri" panose="020F0502020204030204" pitchFamily="34" charset="0"/>
+              <a:cs typeface="Calibri" panose="020F0502020204030204" pitchFamily="34" charset="0"/>
+            </a:endParaRPr>
+          </a:p>
+          <a:p>
+            <a:pPr marL="285750" indent="-285750" algn="l">
+              <a:buFont typeface="Arial" panose="020B0604020202020204" pitchFamily="34" charset="0"/>
+              <a:buChar char="•"/>
+            </a:pPr>
+            <a:r>
+              <a:rPr lang="en-US" cap="none" dirty="0">
+                <a:solidFill>
+                  <a:schemeClr val="bg1"/>
+                </a:solidFill>
+                <a:latin typeface="Calibri" panose="020F0502020204030204" pitchFamily="34" charset="0"/>
+                <a:cs typeface="Calibri" panose="020F0502020204030204" pitchFamily="34" charset="0"/>
+              </a:rPr>
+              <a:t>Syntax</a:t>
+            </a:r>
+            <a:br>
+              <a:rPr lang="en-US" cap="none" dirty="0">
+                <a:solidFill>
+                  <a:schemeClr val="bg1"/>
+                </a:solidFill>
+                <a:latin typeface="Calibri" panose="020F0502020204030204" pitchFamily="34" charset="0"/>
+                <a:cs typeface="Calibri" panose="020F0502020204030204" pitchFamily="34" charset="0"/>
+              </a:rPr>
+            </a:br>
+            <a:r>
+              <a:rPr lang="en-US" cap="none" dirty="0">
+                <a:solidFill>
+                  <a:schemeClr val="bg1"/>
+                </a:solidFill>
+                <a:latin typeface="Calibri" panose="020F0502020204030204" pitchFamily="34" charset="0"/>
+                <a:cs typeface="Calibri" panose="020F0502020204030204" pitchFamily="34" charset="0"/>
+              </a:rPr>
+              <a:t>	const </a:t>
+            </a:r>
+            <a:r>
+              <a:rPr lang="en-US" cap="none" dirty="0" err="1">
+                <a:solidFill>
+                  <a:schemeClr val="bg1"/>
+                </a:solidFill>
+                <a:latin typeface="Calibri" panose="020F0502020204030204" pitchFamily="34" charset="0"/>
+                <a:cs typeface="Calibri" panose="020F0502020204030204" pitchFamily="34" charset="0"/>
+              </a:rPr>
+              <a:t>userModel</a:t>
+            </a:r>
+            <a:r>
+              <a:rPr lang="en-US" cap="none" dirty="0">
+                <a:solidFill>
+                  <a:schemeClr val="bg1"/>
+                </a:solidFill>
+                <a:latin typeface="Calibri" panose="020F0502020204030204" pitchFamily="34" charset="0"/>
+                <a:cs typeface="Calibri" panose="020F0502020204030204" pitchFamily="34" charset="0"/>
+              </a:rPr>
+              <a:t> = new </a:t>
+            </a:r>
+            <a:r>
+              <a:rPr lang="en-US" cap="none" dirty="0" err="1">
+                <a:solidFill>
+                  <a:schemeClr val="bg1"/>
+                </a:solidFill>
+                <a:latin typeface="Calibri" panose="020F0502020204030204" pitchFamily="34" charset="0"/>
+                <a:cs typeface="Calibri" panose="020F0502020204030204" pitchFamily="34" charset="0"/>
+              </a:rPr>
+              <a:t>mongoose.Schema</a:t>
+            </a:r>
+            <a:r>
+              <a:rPr lang="en-US" cap="none" dirty="0">
+                <a:solidFill>
+                  <a:schemeClr val="bg1"/>
+                </a:solidFill>
+                <a:latin typeface="Calibri" panose="020F0502020204030204" pitchFamily="34" charset="0"/>
+                <a:cs typeface="Calibri" panose="020F0502020204030204" pitchFamily="34" charset="0"/>
+              </a:rPr>
+              <a:t>(</a:t>
+            </a:r>
+            <a:br>
+              <a:rPr lang="en-US" cap="none" dirty="0">
+                <a:solidFill>
+                  <a:schemeClr val="bg1"/>
+                </a:solidFill>
+                <a:latin typeface="Calibri" panose="020F0502020204030204" pitchFamily="34" charset="0"/>
+                <a:cs typeface="Calibri" panose="020F0502020204030204" pitchFamily="34" charset="0"/>
+              </a:rPr>
+            </a:br>
+            <a:r>
+              <a:rPr lang="en-US" cap="none" dirty="0">
+                <a:solidFill>
+                  <a:schemeClr val="bg1"/>
+                </a:solidFill>
+                <a:latin typeface="Calibri" panose="020F0502020204030204" pitchFamily="34" charset="0"/>
+                <a:cs typeface="Calibri" panose="020F0502020204030204" pitchFamily="34" charset="0"/>
+              </a:rPr>
+              <a:t>		{</a:t>
+            </a:r>
+            <a:br>
+              <a:rPr lang="en-US" cap="none" dirty="0">
+                <a:solidFill>
+                  <a:schemeClr val="bg1"/>
+                </a:solidFill>
+                <a:latin typeface="Calibri" panose="020F0502020204030204" pitchFamily="34" charset="0"/>
+                <a:cs typeface="Calibri" panose="020F0502020204030204" pitchFamily="34" charset="0"/>
+              </a:rPr>
+            </a:br>
+            <a:r>
+              <a:rPr lang="en-US" cap="none" dirty="0">
+                <a:solidFill>
+                  <a:schemeClr val="bg1"/>
+                </a:solidFill>
+                <a:latin typeface="Calibri" panose="020F0502020204030204" pitchFamily="34" charset="0"/>
+                <a:cs typeface="Calibri" panose="020F0502020204030204" pitchFamily="34" charset="0"/>
+              </a:rPr>
+              <a:t>			</a:t>
+            </a:r>
+            <a:r>
+              <a:rPr lang="en-US" cap="none" dirty="0" err="1">
+                <a:solidFill>
+                  <a:schemeClr val="bg1"/>
+                </a:solidFill>
+                <a:latin typeface="Calibri" panose="020F0502020204030204" pitchFamily="34" charset="0"/>
+                <a:cs typeface="Calibri" panose="020F0502020204030204" pitchFamily="34" charset="0"/>
+              </a:rPr>
+              <a:t>firstName</a:t>
+            </a:r>
+            <a:r>
+              <a:rPr lang="en-US" cap="none" dirty="0">
+                <a:solidFill>
+                  <a:schemeClr val="bg1"/>
+                </a:solidFill>
+                <a:latin typeface="Calibri" panose="020F0502020204030204" pitchFamily="34" charset="0"/>
+                <a:cs typeface="Calibri" panose="020F0502020204030204" pitchFamily="34" charset="0"/>
+              </a:rPr>
+              <a:t>:{	</a:t>
+            </a:r>
+            <a:br>
+              <a:rPr lang="en-US" cap="none" dirty="0">
+                <a:solidFill>
+                  <a:schemeClr val="bg1"/>
+                </a:solidFill>
+                <a:latin typeface="Calibri" panose="020F0502020204030204" pitchFamily="34" charset="0"/>
+                <a:cs typeface="Calibri" panose="020F0502020204030204" pitchFamily="34" charset="0"/>
+              </a:rPr>
+            </a:br>
+            <a:r>
+              <a:rPr lang="en-US" cap="none" dirty="0">
+                <a:solidFill>
+                  <a:schemeClr val="bg1"/>
+                </a:solidFill>
+                <a:latin typeface="Calibri" panose="020F0502020204030204" pitchFamily="34" charset="0"/>
+                <a:cs typeface="Calibri" panose="020F0502020204030204" pitchFamily="34" charset="0"/>
+              </a:rPr>
+              <a:t>				</a:t>
+            </a:r>
+            <a:r>
+              <a:rPr lang="en-US" cap="none" dirty="0" err="1">
+                <a:solidFill>
+                  <a:schemeClr val="bg1"/>
+                </a:solidFill>
+                <a:latin typeface="Calibri" panose="020F0502020204030204" pitchFamily="34" charset="0"/>
+                <a:cs typeface="Calibri" panose="020F0502020204030204" pitchFamily="34" charset="0"/>
+              </a:rPr>
+              <a:t>type:String</a:t>
+            </a:r>
+            <a:r>
+              <a:rPr lang="en-US" cap="none" dirty="0">
+                <a:solidFill>
+                  <a:schemeClr val="bg1"/>
+                </a:solidFill>
+                <a:latin typeface="Calibri" panose="020F0502020204030204" pitchFamily="34" charset="0"/>
+                <a:cs typeface="Calibri" panose="020F0502020204030204" pitchFamily="34" charset="0"/>
+              </a:rPr>
+              <a:t>,</a:t>
+            </a:r>
+            <a:br>
+              <a:rPr lang="en-US" cap="none" dirty="0">
+                <a:solidFill>
+                  <a:schemeClr val="bg1"/>
+                </a:solidFill>
+                <a:latin typeface="Calibri" panose="020F0502020204030204" pitchFamily="34" charset="0"/>
+                <a:cs typeface="Calibri" panose="020F0502020204030204" pitchFamily="34" charset="0"/>
+              </a:rPr>
+            </a:br>
+            <a:r>
+              <a:rPr lang="en-US" cap="none" dirty="0">
+                <a:solidFill>
+                  <a:schemeClr val="bg1"/>
+                </a:solidFill>
+                <a:latin typeface="Calibri" panose="020F0502020204030204" pitchFamily="34" charset="0"/>
+                <a:cs typeface="Calibri" panose="020F0502020204030204" pitchFamily="34" charset="0"/>
+              </a:rPr>
+              <a:t>				</a:t>
+            </a:r>
+            <a:r>
+              <a:rPr lang="en-US" cap="none" dirty="0" err="1">
+                <a:solidFill>
+                  <a:schemeClr val="bg1"/>
+                </a:solidFill>
+                <a:latin typeface="Calibri" panose="020F0502020204030204" pitchFamily="34" charset="0"/>
+                <a:cs typeface="Calibri" panose="020F0502020204030204" pitchFamily="34" charset="0"/>
+              </a:rPr>
+              <a:t>required:true</a:t>
+            </a:r>
+            <a:br>
+              <a:rPr lang="en-US" cap="none" dirty="0">
+                <a:solidFill>
+                  <a:schemeClr val="bg1"/>
+                </a:solidFill>
+                <a:latin typeface="Calibri" panose="020F0502020204030204" pitchFamily="34" charset="0"/>
+                <a:cs typeface="Calibri" panose="020F0502020204030204" pitchFamily="34" charset="0"/>
+              </a:rPr>
+            </a:br>
+            <a:r>
+              <a:rPr lang="en-US" cap="none" dirty="0">
+                <a:solidFill>
+                  <a:schemeClr val="bg1"/>
+                </a:solidFill>
+                <a:latin typeface="Calibri" panose="020F0502020204030204" pitchFamily="34" charset="0"/>
+                <a:cs typeface="Calibri" panose="020F0502020204030204" pitchFamily="34" charset="0"/>
+              </a:rPr>
+              <a:t>			},</a:t>
+            </a:r>
+            <a:br>
+              <a:rPr lang="en-US" cap="none" dirty="0">
+                <a:solidFill>
+                  <a:schemeClr val="bg1"/>
+                </a:solidFill>
+                <a:latin typeface="Calibri" panose="020F0502020204030204" pitchFamily="34" charset="0"/>
+                <a:cs typeface="Calibri" panose="020F0502020204030204" pitchFamily="34" charset="0"/>
+              </a:rPr>
+            </a:br>
+            <a:r>
+              <a:rPr lang="en-US" cap="none" dirty="0">
+                <a:solidFill>
+                  <a:schemeClr val="bg1"/>
+                </a:solidFill>
+                <a:latin typeface="Calibri" panose="020F0502020204030204" pitchFamily="34" charset="0"/>
+                <a:cs typeface="Calibri" panose="020F0502020204030204" pitchFamily="34" charset="0"/>
+              </a:rPr>
+              <a:t>			</a:t>
+            </a:r>
+            <a:r>
+              <a:rPr lang="en-US" cap="none" dirty="0" err="1">
+                <a:solidFill>
+                  <a:schemeClr val="bg1"/>
+                </a:solidFill>
+                <a:latin typeface="Calibri" panose="020F0502020204030204" pitchFamily="34" charset="0"/>
+                <a:cs typeface="Calibri" panose="020F0502020204030204" pitchFamily="34" charset="0"/>
+              </a:rPr>
+              <a:t>lastName</a:t>
+            </a:r>
+            <a:r>
+              <a:rPr lang="en-US" cap="none" dirty="0">
+                <a:solidFill>
+                  <a:schemeClr val="bg1"/>
+                </a:solidFill>
+                <a:latin typeface="Calibri" panose="020F0502020204030204" pitchFamily="34" charset="0"/>
+                <a:cs typeface="Calibri" panose="020F0502020204030204" pitchFamily="34" charset="0"/>
+              </a:rPr>
+              <a:t>:{	</a:t>
+            </a:r>
+            <a:br>
+              <a:rPr lang="en-US" cap="none" dirty="0">
+                <a:solidFill>
+                  <a:schemeClr val="bg1"/>
+                </a:solidFill>
+                <a:latin typeface="Calibri" panose="020F0502020204030204" pitchFamily="34" charset="0"/>
+                <a:cs typeface="Calibri" panose="020F0502020204030204" pitchFamily="34" charset="0"/>
+              </a:rPr>
+            </a:br>
+            <a:r>
+              <a:rPr lang="en-US" cap="none" dirty="0">
+                <a:solidFill>
+                  <a:schemeClr val="bg1"/>
+                </a:solidFill>
+                <a:latin typeface="Calibri" panose="020F0502020204030204" pitchFamily="34" charset="0"/>
+                <a:cs typeface="Calibri" panose="020F0502020204030204" pitchFamily="34" charset="0"/>
+              </a:rPr>
+              <a:t>				</a:t>
+            </a:r>
+            <a:r>
+              <a:rPr lang="en-US" cap="none" dirty="0" err="1">
+                <a:solidFill>
+                  <a:schemeClr val="bg1"/>
+                </a:solidFill>
+                <a:latin typeface="Calibri" panose="020F0502020204030204" pitchFamily="34" charset="0"/>
+                <a:cs typeface="Calibri" panose="020F0502020204030204" pitchFamily="34" charset="0"/>
+              </a:rPr>
+              <a:t>type:String</a:t>
+            </a:r>
+            <a:r>
+              <a:rPr lang="en-US" cap="none" dirty="0">
+                <a:solidFill>
+                  <a:schemeClr val="bg1"/>
+                </a:solidFill>
+                <a:latin typeface="Calibri" panose="020F0502020204030204" pitchFamily="34" charset="0"/>
+                <a:cs typeface="Calibri" panose="020F0502020204030204" pitchFamily="34" charset="0"/>
+              </a:rPr>
+              <a:t>,</a:t>
+            </a:r>
+            <a:br>
+              <a:rPr lang="en-US" cap="none" dirty="0">
+                <a:solidFill>
+                  <a:schemeClr val="bg1"/>
+                </a:solidFill>
+                <a:latin typeface="Calibri" panose="020F0502020204030204" pitchFamily="34" charset="0"/>
+                <a:cs typeface="Calibri" panose="020F0502020204030204" pitchFamily="34" charset="0"/>
+              </a:rPr>
+            </a:br>
+            <a:r>
+              <a:rPr lang="en-US" cap="none" dirty="0">
+                <a:solidFill>
+                  <a:schemeClr val="bg1"/>
+                </a:solidFill>
+                <a:latin typeface="Calibri" panose="020F0502020204030204" pitchFamily="34" charset="0"/>
+                <a:cs typeface="Calibri" panose="020F0502020204030204" pitchFamily="34" charset="0"/>
+              </a:rPr>
+              <a:t>				</a:t>
+            </a:r>
+            <a:r>
+              <a:rPr lang="en-US" cap="none" dirty="0" err="1">
+                <a:solidFill>
+                  <a:schemeClr val="bg1"/>
+                </a:solidFill>
+                <a:latin typeface="Calibri" panose="020F0502020204030204" pitchFamily="34" charset="0"/>
+                <a:cs typeface="Calibri" panose="020F0502020204030204" pitchFamily="34" charset="0"/>
+              </a:rPr>
+              <a:t>required:true</a:t>
+            </a:r>
+            <a:br>
+              <a:rPr lang="en-US" cap="none" dirty="0">
+                <a:solidFill>
+                  <a:schemeClr val="bg1"/>
+                </a:solidFill>
+                <a:latin typeface="Calibri" panose="020F0502020204030204" pitchFamily="34" charset="0"/>
+                <a:cs typeface="Calibri" panose="020F0502020204030204" pitchFamily="34" charset="0"/>
+              </a:rPr>
+            </a:br>
+            <a:r>
+              <a:rPr lang="en-US" cap="none" dirty="0">
+                <a:solidFill>
+                  <a:schemeClr val="bg1"/>
+                </a:solidFill>
+                <a:latin typeface="Calibri" panose="020F0502020204030204" pitchFamily="34" charset="0"/>
+                <a:cs typeface="Calibri" panose="020F0502020204030204" pitchFamily="34" charset="0"/>
+              </a:rPr>
+              <a:t>			}</a:t>
+            </a:r>
+            <a:br>
+              <a:rPr lang="en-US" cap="none" dirty="0">
+                <a:solidFill>
+                  <a:schemeClr val="bg1"/>
+                </a:solidFill>
+                <a:latin typeface="Calibri" panose="020F0502020204030204" pitchFamily="34" charset="0"/>
+                <a:cs typeface="Calibri" panose="020F0502020204030204" pitchFamily="34" charset="0"/>
+              </a:rPr>
+            </a:br>
+            <a:r>
+              <a:rPr lang="en-US" cap="none" dirty="0">
+                <a:solidFill>
+                  <a:schemeClr val="bg1"/>
+                </a:solidFill>
+                <a:latin typeface="Calibri" panose="020F0502020204030204" pitchFamily="34" charset="0"/>
+                <a:cs typeface="Calibri" panose="020F0502020204030204" pitchFamily="34" charset="0"/>
+              </a:rPr>
+              <a:t>		}</a:t>
+            </a:r>
+            <a:br>
+              <a:rPr lang="en-US" cap="none" dirty="0">
+                <a:solidFill>
+                  <a:schemeClr val="bg1"/>
+                </a:solidFill>
+                <a:latin typeface="Calibri" panose="020F0502020204030204" pitchFamily="34" charset="0"/>
+                <a:cs typeface="Calibri" panose="020F0502020204030204" pitchFamily="34" charset="0"/>
+              </a:rPr>
+            </a:br>
+            <a:r>
+              <a:rPr lang="en-US" cap="none" dirty="0" err="1">
+                <a:solidFill>
+                  <a:schemeClr val="bg1"/>
+                </a:solidFill>
+                <a:latin typeface="Calibri" panose="020F0502020204030204" pitchFamily="34" charset="0"/>
+                <a:cs typeface="Calibri" panose="020F0502020204030204" pitchFamily="34" charset="0"/>
+              </a:rPr>
+              <a:t>module.exports</a:t>
+            </a:r>
+            <a:r>
+              <a:rPr lang="en-US" cap="none" dirty="0">
+                <a:solidFill>
+                  <a:schemeClr val="bg1"/>
+                </a:solidFill>
+                <a:latin typeface="Calibri" panose="020F0502020204030204" pitchFamily="34" charset="0"/>
+                <a:cs typeface="Calibri" panose="020F0502020204030204" pitchFamily="34" charset="0"/>
+              </a:rPr>
+              <a:t> = </a:t>
+            </a:r>
+            <a:r>
+              <a:rPr lang="en-US" cap="none" dirty="0" err="1">
+                <a:solidFill>
+                  <a:schemeClr val="bg1"/>
+                </a:solidFill>
+                <a:latin typeface="Calibri" panose="020F0502020204030204" pitchFamily="34" charset="0"/>
+                <a:cs typeface="Calibri" panose="020F0502020204030204" pitchFamily="34" charset="0"/>
+              </a:rPr>
+              <a:t>mongoose.model</a:t>
+            </a:r>
+            <a:r>
+              <a:rPr lang="en-US" cap="none" dirty="0">
+                <a:solidFill>
+                  <a:schemeClr val="bg1"/>
+                </a:solidFill>
+                <a:latin typeface="Calibri" panose="020F0502020204030204" pitchFamily="34" charset="0"/>
+                <a:cs typeface="Calibri" panose="020F0502020204030204" pitchFamily="34" charset="0"/>
+              </a:rPr>
+              <a:t>("Users", </a:t>
+            </a:r>
+            <a:r>
+              <a:rPr lang="en-US" cap="none" dirty="0" err="1">
+                <a:solidFill>
+                  <a:schemeClr val="bg1"/>
+                </a:solidFill>
+                <a:latin typeface="Calibri" panose="020F0502020204030204" pitchFamily="34" charset="0"/>
+                <a:cs typeface="Calibri" panose="020F0502020204030204" pitchFamily="34" charset="0"/>
+              </a:rPr>
+              <a:t>userModel</a:t>
+            </a:r>
+            <a:r>
+              <a:rPr lang="en-US" cap="none" dirty="0">
+                <a:solidFill>
+                  <a:schemeClr val="bg1"/>
+                </a:solidFill>
+                <a:latin typeface="Calibri" panose="020F0502020204030204" pitchFamily="34" charset="0"/>
+                <a:cs typeface="Calibri" panose="020F0502020204030204" pitchFamily="34" charset="0"/>
+              </a:rPr>
+              <a:t>);</a:t>
+            </a:r>
+          </a:p>
+          <a:p>
+            <a:pPr marL="285750" indent="-285750" algn="l">
+              <a:buFont typeface="Arial" panose="020B0604020202020204" pitchFamily="34" charset="0"/>
+              <a:buChar char="•"/>
+            </a:pPr>
+            <a:r>
+              <a:rPr lang="en-US" cap="none" dirty="0">
+                <a:solidFill>
+                  <a:schemeClr val="bg1"/>
+                </a:solidFill>
+                <a:latin typeface="Calibri" panose="020F0502020204030204" pitchFamily="34" charset="0"/>
+                <a:cs typeface="Calibri" panose="020F0502020204030204" pitchFamily="34" charset="0"/>
+              </a:rPr>
+              <a:t>Here’s, “Users” is a table name of </a:t>
+            </a:r>
+            <a:r>
+              <a:rPr lang="en-US" cap="none" dirty="0" err="1">
+                <a:solidFill>
+                  <a:schemeClr val="bg1"/>
+                </a:solidFill>
+                <a:latin typeface="Calibri" panose="020F0502020204030204" pitchFamily="34" charset="0"/>
+                <a:cs typeface="Calibri" panose="020F0502020204030204" pitchFamily="34" charset="0"/>
+              </a:rPr>
+              <a:t>mongoDB</a:t>
+            </a:r>
+            <a:endParaRPr lang="en-US" cap="none" dirty="0">
+              <a:solidFill>
+                <a:schemeClr val="bg1"/>
+              </a:solidFill>
+              <a:latin typeface="Calibri" panose="020F0502020204030204" pitchFamily="34" charset="0"/>
+              <a:cs typeface="Calibri" panose="020F0502020204030204" pitchFamily="34" charset="0"/>
+            </a:endParaRPr>
+          </a:p>
+        </p:txBody>
+      </p:sp>
+    </p:spTree>
+    <p:extLst>
+      <p:ext uri="{BB962C8B-B14F-4D97-AF65-F5344CB8AC3E}">
+        <p14:creationId xmlns:p14="http://schemas.microsoft.com/office/powerpoint/2010/main" val="782354953"/>
+      </p:ext>
+    </p:extLst>
+  </p:cSld>
+  <p:clrMapOvr>
+    <a:masterClrMapping/>
+  </p:clrMapOvr>
+</p:sld>
+</file>
+
+<file path=ppt/slides/slide17.xml><?xml version="1.0" encoding="utf-8"?>
+<p:sld xmlns:a="http://schemas.openxmlformats.org/drawingml/2006/main" xmlns:r="http://schemas.openxmlformats.org/officeDocument/2006/relationships" xmlns:p="http://schemas.openxmlformats.org/presentationml/2006/main">
+  <p:cSld>
+    <p:bg>
+      <p:bgPr>
+        <a:solidFill>
+          <a:schemeClr val="bg2"/>
+        </a:solidFill>
+        <a:effectLst/>
+      </p:bgPr>
+    </p:bg>
+    <p:spTree>
+      <p:nvGrpSpPr>
+        <p:cNvPr id="1" name=""/>
+        <p:cNvGrpSpPr/>
+        <p:nvPr/>
+      </p:nvGrpSpPr>
+      <p:grpSpPr>
+        <a:xfrm>
+          <a:off x="0" y="0"/>
+          <a:ext cx="0" cy="0"/>
+          <a:chOff x="0" y="0"/>
+          <a:chExt cx="0" cy="0"/>
+        </a:xfrm>
+      </p:grpSpPr>
+      <p:sp>
+        <p:nvSpPr>
+          <p:cNvPr id="2" name="Title 1">
+            <a:extLst>
+              <a:ext uri="{FF2B5EF4-FFF2-40B4-BE49-F238E27FC236}">
+                <a16:creationId xmlns:a16="http://schemas.microsoft.com/office/drawing/2014/main" id="{B6E59C83-5510-C693-DAA9-0BBB2244584A}"/>
+              </a:ext>
+            </a:extLst>
+          </p:cNvPr>
+          <p:cNvSpPr>
+            <a:spLocks noGrp="1"/>
+          </p:cNvSpPr>
+          <p:nvPr>
+            <p:ph type="ctrTitle"/>
+          </p:nvPr>
+        </p:nvSpPr>
+        <p:spPr>
+          <a:xfrm>
+            <a:off x="571571" y="346076"/>
+            <a:ext cx="10233804" cy="879475"/>
+          </a:xfrm>
+        </p:spPr>
+        <p:txBody>
+          <a:bodyPr>
+            <a:noAutofit/>
+          </a:bodyPr>
+          <a:lstStyle/>
+          <a:p>
+            <a:pPr algn="l"/>
+            <a:r>
+              <a:rPr lang="en-US" sz="3200" b="1" dirty="0" err="1">
+                <a:solidFill>
+                  <a:schemeClr val="bg1"/>
+                </a:solidFill>
+              </a:rPr>
+              <a:t>bcrypt</a:t>
+            </a:r>
+            <a:r>
+              <a:rPr lang="en-US" sz="3200" b="1" dirty="0">
+                <a:solidFill>
+                  <a:schemeClr val="bg1"/>
+                </a:solidFill>
+              </a:rPr>
+              <a:t> package</a:t>
+            </a:r>
+          </a:p>
+        </p:txBody>
+      </p:sp>
+      <p:sp>
+        <p:nvSpPr>
+          <p:cNvPr id="3" name="Subtitle 2">
+            <a:extLst>
+              <a:ext uri="{FF2B5EF4-FFF2-40B4-BE49-F238E27FC236}">
+                <a16:creationId xmlns:a16="http://schemas.microsoft.com/office/drawing/2014/main" id="{F91243E7-A1F2-2FFC-130B-D30DB430FC88}"/>
+              </a:ext>
+            </a:extLst>
+          </p:cNvPr>
+          <p:cNvSpPr>
+            <a:spLocks noGrp="1"/>
+          </p:cNvSpPr>
+          <p:nvPr>
+            <p:ph type="subTitle" idx="1"/>
+          </p:nvPr>
+        </p:nvSpPr>
+        <p:spPr>
+          <a:xfrm>
+            <a:off x="558698" y="1300617"/>
+            <a:ext cx="9280761" cy="5452879"/>
+          </a:xfrm>
+        </p:spPr>
+        <p:txBody>
+          <a:bodyPr>
+            <a:normAutofit/>
+          </a:bodyPr>
+          <a:lstStyle/>
+          <a:p>
+            <a:pPr marL="285750" indent="-285750" algn="l">
+              <a:buFont typeface="Arial" panose="020B0604020202020204" pitchFamily="34" charset="0"/>
+              <a:buChar char="•"/>
+            </a:pPr>
+            <a:r>
+              <a:rPr lang="en-US" cap="none" dirty="0">
+                <a:solidFill>
+                  <a:schemeClr val="bg1"/>
+                </a:solidFill>
+                <a:latin typeface="Calibri" panose="020F0502020204030204" pitchFamily="34" charset="0"/>
+                <a:cs typeface="Calibri" panose="020F0502020204030204" pitchFamily="34" charset="0"/>
+              </a:rPr>
+              <a:t>This is used to encrypt, decrypt and compare the string values</a:t>
+            </a:r>
+          </a:p>
+          <a:p>
+            <a:pPr marL="285750" indent="-285750" algn="l">
+              <a:buFont typeface="Arial" panose="020B0604020202020204" pitchFamily="34" charset="0"/>
+              <a:buChar char="•"/>
+            </a:pPr>
+            <a:r>
+              <a:rPr lang="en-US" cap="none" dirty="0">
+                <a:solidFill>
+                  <a:schemeClr val="bg1"/>
+                </a:solidFill>
+                <a:latin typeface="Calibri" panose="020F0502020204030204" pitchFamily="34" charset="0"/>
+                <a:cs typeface="Calibri" panose="020F0502020204030204" pitchFamily="34" charset="0"/>
+              </a:rPr>
+              <a:t>To install</a:t>
+            </a:r>
+            <a:br>
+              <a:rPr lang="en-US" cap="none" dirty="0">
+                <a:solidFill>
+                  <a:schemeClr val="bg1"/>
+                </a:solidFill>
+                <a:latin typeface="Calibri" panose="020F0502020204030204" pitchFamily="34" charset="0"/>
+                <a:cs typeface="Calibri" panose="020F0502020204030204" pitchFamily="34" charset="0"/>
+              </a:rPr>
+            </a:br>
+            <a:r>
+              <a:rPr lang="en-US" cap="none" dirty="0">
+                <a:solidFill>
+                  <a:schemeClr val="bg1"/>
+                </a:solidFill>
+                <a:latin typeface="Calibri" panose="020F0502020204030204" pitchFamily="34" charset="0"/>
+                <a:cs typeface="Calibri" panose="020F0502020204030204" pitchFamily="34" charset="0"/>
+              </a:rPr>
+              <a:t>		</a:t>
+            </a:r>
+            <a:r>
+              <a:rPr lang="en-US" cap="none" dirty="0" err="1">
+                <a:solidFill>
+                  <a:schemeClr val="bg1"/>
+                </a:solidFill>
+                <a:latin typeface="Calibri" panose="020F0502020204030204" pitchFamily="34" charset="0"/>
+                <a:cs typeface="Calibri" panose="020F0502020204030204" pitchFamily="34" charset="0"/>
+              </a:rPr>
+              <a:t>npm</a:t>
+            </a:r>
+            <a:r>
+              <a:rPr lang="en-US" cap="none" dirty="0">
+                <a:solidFill>
+                  <a:schemeClr val="bg1"/>
+                </a:solidFill>
+                <a:latin typeface="Calibri" panose="020F0502020204030204" pitchFamily="34" charset="0"/>
+                <a:cs typeface="Calibri" panose="020F0502020204030204" pitchFamily="34" charset="0"/>
+              </a:rPr>
+              <a:t> install </a:t>
+            </a:r>
+            <a:r>
+              <a:rPr lang="en-US" cap="none" dirty="0" err="1">
+                <a:solidFill>
+                  <a:schemeClr val="bg1"/>
+                </a:solidFill>
+                <a:latin typeface="Calibri" panose="020F0502020204030204" pitchFamily="34" charset="0"/>
+                <a:cs typeface="Calibri" panose="020F0502020204030204" pitchFamily="34" charset="0"/>
+              </a:rPr>
+              <a:t>bcrypt</a:t>
+            </a:r>
+            <a:endParaRPr lang="en-US" cap="none" dirty="0">
+              <a:solidFill>
+                <a:schemeClr val="bg1"/>
+              </a:solidFill>
+              <a:latin typeface="Calibri" panose="020F0502020204030204" pitchFamily="34" charset="0"/>
+              <a:cs typeface="Calibri" panose="020F0502020204030204" pitchFamily="34" charset="0"/>
+            </a:endParaRPr>
+          </a:p>
+          <a:p>
+            <a:pPr marL="285750" indent="-285750" algn="l">
+              <a:buFont typeface="Arial" panose="020B0604020202020204" pitchFamily="34" charset="0"/>
+              <a:buChar char="•"/>
+            </a:pPr>
+            <a:r>
+              <a:rPr lang="en-US" cap="none" dirty="0">
+                <a:solidFill>
+                  <a:schemeClr val="bg1"/>
+                </a:solidFill>
+                <a:latin typeface="Calibri" panose="020F0502020204030204" pitchFamily="34" charset="0"/>
+                <a:cs typeface="Calibri" panose="020F0502020204030204" pitchFamily="34" charset="0"/>
+              </a:rPr>
+              <a:t>Then required it</a:t>
+            </a:r>
+            <a:br>
+              <a:rPr lang="en-US" cap="none" dirty="0">
+                <a:solidFill>
+                  <a:schemeClr val="bg1"/>
+                </a:solidFill>
+                <a:latin typeface="Calibri" panose="020F0502020204030204" pitchFamily="34" charset="0"/>
+                <a:cs typeface="Calibri" panose="020F0502020204030204" pitchFamily="34" charset="0"/>
+              </a:rPr>
+            </a:br>
+            <a:r>
+              <a:rPr lang="en-US" cap="none" dirty="0">
+                <a:solidFill>
+                  <a:schemeClr val="bg1"/>
+                </a:solidFill>
+                <a:latin typeface="Calibri" panose="020F0502020204030204" pitchFamily="34" charset="0"/>
+                <a:cs typeface="Calibri" panose="020F0502020204030204" pitchFamily="34" charset="0"/>
+              </a:rPr>
+              <a:t>		const </a:t>
+            </a:r>
+            <a:r>
+              <a:rPr lang="en-US" cap="none" dirty="0" err="1">
+                <a:solidFill>
+                  <a:schemeClr val="bg1"/>
+                </a:solidFill>
+                <a:latin typeface="Calibri" panose="020F0502020204030204" pitchFamily="34" charset="0"/>
+                <a:cs typeface="Calibri" panose="020F0502020204030204" pitchFamily="34" charset="0"/>
+              </a:rPr>
+              <a:t>bcrypt</a:t>
+            </a:r>
+            <a:r>
+              <a:rPr lang="en-US" cap="none" dirty="0">
+                <a:solidFill>
+                  <a:schemeClr val="bg1"/>
+                </a:solidFill>
+                <a:latin typeface="Calibri" panose="020F0502020204030204" pitchFamily="34" charset="0"/>
+                <a:cs typeface="Calibri" panose="020F0502020204030204" pitchFamily="34" charset="0"/>
+              </a:rPr>
+              <a:t> = require(“</a:t>
+            </a:r>
+            <a:r>
+              <a:rPr lang="en-US" cap="none" dirty="0" err="1">
+                <a:solidFill>
+                  <a:schemeClr val="bg1"/>
+                </a:solidFill>
+                <a:latin typeface="Calibri" panose="020F0502020204030204" pitchFamily="34" charset="0"/>
+                <a:cs typeface="Calibri" panose="020F0502020204030204" pitchFamily="34" charset="0"/>
+              </a:rPr>
+              <a:t>bcrypt</a:t>
+            </a:r>
+            <a:r>
+              <a:rPr lang="en-US" cap="none" dirty="0">
+                <a:solidFill>
+                  <a:schemeClr val="bg1"/>
+                </a:solidFill>
+                <a:latin typeface="Calibri" panose="020F0502020204030204" pitchFamily="34" charset="0"/>
+                <a:cs typeface="Calibri" panose="020F0502020204030204" pitchFamily="34" charset="0"/>
+              </a:rPr>
+              <a:t>”)</a:t>
+            </a:r>
+          </a:p>
+          <a:p>
+            <a:pPr marL="285750" indent="-285750" algn="l">
+              <a:buFont typeface="Arial" panose="020B0604020202020204" pitchFamily="34" charset="0"/>
+              <a:buChar char="•"/>
+            </a:pPr>
+            <a:r>
+              <a:rPr lang="en-US" cap="none" dirty="0">
+                <a:solidFill>
+                  <a:schemeClr val="bg1"/>
+                </a:solidFill>
+                <a:latin typeface="Calibri" panose="020F0502020204030204" pitchFamily="34" charset="0"/>
+                <a:cs typeface="Calibri" panose="020F0502020204030204" pitchFamily="34" charset="0"/>
+              </a:rPr>
+              <a:t>To encrypt password</a:t>
+            </a:r>
+            <a:br>
+              <a:rPr lang="en-US" cap="none" dirty="0">
+                <a:solidFill>
+                  <a:schemeClr val="bg1"/>
+                </a:solidFill>
+                <a:latin typeface="Calibri" panose="020F0502020204030204" pitchFamily="34" charset="0"/>
+                <a:cs typeface="Calibri" panose="020F0502020204030204" pitchFamily="34" charset="0"/>
+              </a:rPr>
+            </a:br>
+            <a:r>
+              <a:rPr lang="en-US" cap="none" dirty="0">
+                <a:solidFill>
+                  <a:schemeClr val="bg1"/>
+                </a:solidFill>
+                <a:latin typeface="Calibri" panose="020F0502020204030204" pitchFamily="34" charset="0"/>
+                <a:cs typeface="Calibri" panose="020F0502020204030204" pitchFamily="34" charset="0"/>
+              </a:rPr>
+              <a:t>		</a:t>
+            </a:r>
+            <a:r>
+              <a:rPr lang="en-US" cap="none" dirty="0" err="1">
+                <a:solidFill>
+                  <a:schemeClr val="bg1"/>
+                </a:solidFill>
+                <a:latin typeface="Calibri" panose="020F0502020204030204" pitchFamily="34" charset="0"/>
+                <a:cs typeface="Calibri" panose="020F0502020204030204" pitchFamily="34" charset="0"/>
+              </a:rPr>
+              <a:t>bcrypt.hash</a:t>
+            </a:r>
+            <a:r>
+              <a:rPr lang="en-US" cap="none" dirty="0">
+                <a:solidFill>
+                  <a:schemeClr val="bg1"/>
+                </a:solidFill>
+                <a:latin typeface="Calibri" panose="020F0502020204030204" pitchFamily="34" charset="0"/>
+                <a:cs typeface="Calibri" panose="020F0502020204030204" pitchFamily="34" charset="0"/>
+              </a:rPr>
+              <a:t>(&lt;</a:t>
+            </a:r>
+            <a:r>
+              <a:rPr lang="en-US" cap="none" dirty="0" err="1">
+                <a:solidFill>
+                  <a:schemeClr val="bg1"/>
+                </a:solidFill>
+                <a:latin typeface="Calibri" panose="020F0502020204030204" pitchFamily="34" charset="0"/>
+                <a:cs typeface="Calibri" panose="020F0502020204030204" pitchFamily="34" charset="0"/>
+              </a:rPr>
+              <a:t>string_here</a:t>
+            </a:r>
+            <a:r>
+              <a:rPr lang="en-US" cap="none" dirty="0">
+                <a:solidFill>
+                  <a:schemeClr val="bg1"/>
+                </a:solidFill>
+                <a:latin typeface="Calibri" panose="020F0502020204030204" pitchFamily="34" charset="0"/>
+                <a:cs typeface="Calibri" panose="020F0502020204030204" pitchFamily="34" charset="0"/>
+              </a:rPr>
+              <a:t>&gt;, &lt;</a:t>
+            </a:r>
+            <a:r>
+              <a:rPr lang="en-US" cap="none" dirty="0" err="1">
+                <a:solidFill>
+                  <a:schemeClr val="bg1"/>
+                </a:solidFill>
+                <a:latin typeface="Calibri" panose="020F0502020204030204" pitchFamily="34" charset="0"/>
+                <a:cs typeface="Calibri" panose="020F0502020204030204" pitchFamily="34" charset="0"/>
+              </a:rPr>
+              <a:t>Salt_number</a:t>
+            </a:r>
+            <a:r>
+              <a:rPr lang="en-US" cap="none" dirty="0">
+                <a:solidFill>
+                  <a:schemeClr val="bg1"/>
+                </a:solidFill>
+                <a:latin typeface="Calibri" panose="020F0502020204030204" pitchFamily="34" charset="0"/>
+                <a:cs typeface="Calibri" panose="020F0502020204030204" pitchFamily="34" charset="0"/>
+              </a:rPr>
+              <a:t>&gt;)</a:t>
+            </a:r>
+          </a:p>
+          <a:p>
+            <a:pPr marL="285750" indent="-285750" algn="l">
+              <a:buFont typeface="Arial" panose="020B0604020202020204" pitchFamily="34" charset="0"/>
+              <a:buChar char="•"/>
+            </a:pPr>
+            <a:r>
+              <a:rPr lang="en-US" cap="none" dirty="0">
+                <a:solidFill>
+                  <a:schemeClr val="bg1"/>
+                </a:solidFill>
+                <a:latin typeface="Calibri" panose="020F0502020204030204" pitchFamily="34" charset="0"/>
+                <a:cs typeface="Calibri" panose="020F0502020204030204" pitchFamily="34" charset="0"/>
+              </a:rPr>
+              <a:t>To compare password</a:t>
+            </a:r>
+            <a:br>
+              <a:rPr lang="en-US" cap="none" dirty="0">
+                <a:solidFill>
+                  <a:schemeClr val="bg1"/>
+                </a:solidFill>
+                <a:latin typeface="Calibri" panose="020F0502020204030204" pitchFamily="34" charset="0"/>
+                <a:cs typeface="Calibri" panose="020F0502020204030204" pitchFamily="34" charset="0"/>
+              </a:rPr>
+            </a:br>
+            <a:r>
+              <a:rPr lang="en-US" cap="none" dirty="0">
+                <a:solidFill>
+                  <a:schemeClr val="bg1"/>
+                </a:solidFill>
+                <a:latin typeface="Calibri" panose="020F0502020204030204" pitchFamily="34" charset="0"/>
+                <a:cs typeface="Calibri" panose="020F0502020204030204" pitchFamily="34" charset="0"/>
+              </a:rPr>
+              <a:t>		</a:t>
+            </a:r>
+            <a:r>
+              <a:rPr lang="en-US" cap="none" dirty="0" err="1">
+                <a:solidFill>
+                  <a:schemeClr val="bg1"/>
+                </a:solidFill>
+                <a:latin typeface="Calibri" panose="020F0502020204030204" pitchFamily="34" charset="0"/>
+                <a:cs typeface="Calibri" panose="020F0502020204030204" pitchFamily="34" charset="0"/>
+              </a:rPr>
+              <a:t>bcrypt.compare</a:t>
+            </a:r>
+            <a:r>
+              <a:rPr lang="en-US" cap="none" dirty="0">
+                <a:solidFill>
+                  <a:schemeClr val="bg1"/>
+                </a:solidFill>
+                <a:latin typeface="Calibri" panose="020F0502020204030204" pitchFamily="34" charset="0"/>
+                <a:cs typeface="Calibri" panose="020F0502020204030204" pitchFamily="34" charset="0"/>
+              </a:rPr>
+              <a:t>(&lt;</a:t>
+            </a:r>
+            <a:r>
+              <a:rPr lang="en-US" cap="none" dirty="0" err="1">
+                <a:solidFill>
+                  <a:schemeClr val="bg1"/>
+                </a:solidFill>
+                <a:latin typeface="Calibri" panose="020F0502020204030204" pitchFamily="34" charset="0"/>
+                <a:cs typeface="Calibri" panose="020F0502020204030204" pitchFamily="34" charset="0"/>
+              </a:rPr>
+              <a:t>string_that_want_to_compare</a:t>
+            </a:r>
+            <a:r>
+              <a:rPr lang="en-US" cap="none" dirty="0">
+                <a:solidFill>
+                  <a:schemeClr val="bg1"/>
+                </a:solidFill>
+                <a:latin typeface="Calibri" panose="020F0502020204030204" pitchFamily="34" charset="0"/>
+                <a:cs typeface="Calibri" panose="020F0502020204030204" pitchFamily="34" charset="0"/>
+              </a:rPr>
+              <a:t>&gt;, &lt;</a:t>
+            </a:r>
+            <a:r>
+              <a:rPr lang="en-US" cap="none" dirty="0" err="1">
+                <a:solidFill>
+                  <a:schemeClr val="bg1"/>
+                </a:solidFill>
+                <a:latin typeface="Calibri" panose="020F0502020204030204" pitchFamily="34" charset="0"/>
+                <a:cs typeface="Calibri" panose="020F0502020204030204" pitchFamily="34" charset="0"/>
+              </a:rPr>
+              <a:t>string_that_compared_with</a:t>
+            </a:r>
+            <a:r>
+              <a:rPr lang="en-US" cap="none" dirty="0">
+                <a:solidFill>
+                  <a:schemeClr val="bg1"/>
+                </a:solidFill>
+                <a:latin typeface="Calibri" panose="020F0502020204030204" pitchFamily="34" charset="0"/>
+                <a:cs typeface="Calibri" panose="020F0502020204030204" pitchFamily="34" charset="0"/>
+              </a:rPr>
+              <a:t>&gt;)</a:t>
+            </a:r>
+          </a:p>
+        </p:txBody>
+      </p:sp>
+    </p:spTree>
+    <p:extLst>
+      <p:ext uri="{BB962C8B-B14F-4D97-AF65-F5344CB8AC3E}">
+        <p14:creationId xmlns:p14="http://schemas.microsoft.com/office/powerpoint/2010/main" val="303350957"/>
+      </p:ext>
+    </p:extLst>
+  </p:cSld>
+  <p:clrMapOvr>
+    <a:masterClrMapping/>
+  </p:clrMapOvr>
+</p:sld>
+</file>
+
+<file path=ppt/slides/slide18.xml><?xml version="1.0" encoding="utf-8"?>
+<p:sld xmlns:a="http://schemas.openxmlformats.org/drawingml/2006/main" xmlns:r="http://schemas.openxmlformats.org/officeDocument/2006/relationships" xmlns:p="http://schemas.openxmlformats.org/presentationml/2006/main">
+  <p:cSld>
+    <p:bg>
+      <p:bgPr>
+        <a:solidFill>
+          <a:schemeClr val="bg2"/>
+        </a:solidFill>
+        <a:effectLst/>
+      </p:bgPr>
+    </p:bg>
+    <p:spTree>
+      <p:nvGrpSpPr>
+        <p:cNvPr id="1" name=""/>
+        <p:cNvGrpSpPr/>
+        <p:nvPr/>
+      </p:nvGrpSpPr>
+      <p:grpSpPr>
+        <a:xfrm>
+          <a:off x="0" y="0"/>
+          <a:ext cx="0" cy="0"/>
+          <a:chOff x="0" y="0"/>
+          <a:chExt cx="0" cy="0"/>
+        </a:xfrm>
+      </p:grpSpPr>
+      <p:sp>
+        <p:nvSpPr>
+          <p:cNvPr id="2" name="Title 1">
+            <a:extLst>
+              <a:ext uri="{FF2B5EF4-FFF2-40B4-BE49-F238E27FC236}">
+                <a16:creationId xmlns:a16="http://schemas.microsoft.com/office/drawing/2014/main" id="{B6E59C83-5510-C693-DAA9-0BBB2244584A}"/>
+              </a:ext>
+            </a:extLst>
+          </p:cNvPr>
+          <p:cNvSpPr>
+            <a:spLocks noGrp="1"/>
+          </p:cNvSpPr>
+          <p:nvPr>
+            <p:ph type="ctrTitle"/>
+          </p:nvPr>
+        </p:nvSpPr>
+        <p:spPr>
+          <a:xfrm>
+            <a:off x="571571" y="346076"/>
+            <a:ext cx="10233804" cy="879475"/>
+          </a:xfrm>
+        </p:spPr>
+        <p:txBody>
+          <a:bodyPr>
+            <a:noAutofit/>
+          </a:bodyPr>
+          <a:lstStyle/>
+          <a:p>
+            <a:pPr algn="l"/>
+            <a:r>
+              <a:rPr lang="en-US" sz="3200" b="1" dirty="0" err="1">
+                <a:solidFill>
+                  <a:schemeClr val="bg1"/>
+                </a:solidFill>
+              </a:rPr>
+              <a:t>jsonwebtoken</a:t>
+            </a:r>
+            <a:r>
+              <a:rPr lang="en-US" sz="3200" b="1" dirty="0">
+                <a:solidFill>
+                  <a:schemeClr val="bg1"/>
+                </a:solidFill>
+              </a:rPr>
+              <a:t> package</a:t>
+            </a:r>
+          </a:p>
+        </p:txBody>
+      </p:sp>
+      <p:sp>
+        <p:nvSpPr>
+          <p:cNvPr id="3" name="Subtitle 2">
+            <a:extLst>
+              <a:ext uri="{FF2B5EF4-FFF2-40B4-BE49-F238E27FC236}">
+                <a16:creationId xmlns:a16="http://schemas.microsoft.com/office/drawing/2014/main" id="{F91243E7-A1F2-2FFC-130B-D30DB430FC88}"/>
+              </a:ext>
+            </a:extLst>
+          </p:cNvPr>
+          <p:cNvSpPr>
+            <a:spLocks noGrp="1"/>
+          </p:cNvSpPr>
+          <p:nvPr>
+            <p:ph type="subTitle" idx="1"/>
+          </p:nvPr>
+        </p:nvSpPr>
+        <p:spPr>
+          <a:xfrm>
+            <a:off x="558698" y="1300617"/>
+            <a:ext cx="9280761" cy="5452879"/>
+          </a:xfrm>
+        </p:spPr>
+        <p:txBody>
+          <a:bodyPr>
+            <a:normAutofit/>
+          </a:bodyPr>
+          <a:lstStyle/>
+          <a:p>
+            <a:pPr marL="285750" indent="-285750" algn="l">
+              <a:buFont typeface="Arial" panose="020B0604020202020204" pitchFamily="34" charset="0"/>
+              <a:buChar char="•"/>
+            </a:pPr>
+            <a:r>
+              <a:rPr lang="en-US" cap="none" dirty="0">
+                <a:solidFill>
+                  <a:schemeClr val="bg1"/>
+                </a:solidFill>
+                <a:latin typeface="Calibri" panose="020F0502020204030204" pitchFamily="34" charset="0"/>
+                <a:cs typeface="Calibri" panose="020F0502020204030204" pitchFamily="34" charset="0"/>
+              </a:rPr>
+              <a:t>This is used to generate token and verify token</a:t>
+            </a:r>
+          </a:p>
+          <a:p>
+            <a:pPr marL="285750" indent="-285750" algn="l">
+              <a:buFont typeface="Arial" panose="020B0604020202020204" pitchFamily="34" charset="0"/>
+              <a:buChar char="•"/>
+            </a:pPr>
+            <a:r>
+              <a:rPr lang="en-US" cap="none" dirty="0">
+                <a:solidFill>
+                  <a:schemeClr val="bg1"/>
+                </a:solidFill>
+                <a:latin typeface="Calibri" panose="020F0502020204030204" pitchFamily="34" charset="0"/>
+                <a:cs typeface="Calibri" panose="020F0502020204030204" pitchFamily="34" charset="0"/>
+              </a:rPr>
+              <a:t>To install</a:t>
+            </a:r>
+            <a:br>
+              <a:rPr lang="en-US" cap="none" dirty="0">
+                <a:solidFill>
+                  <a:schemeClr val="bg1"/>
+                </a:solidFill>
+                <a:latin typeface="Calibri" panose="020F0502020204030204" pitchFamily="34" charset="0"/>
+                <a:cs typeface="Calibri" panose="020F0502020204030204" pitchFamily="34" charset="0"/>
+              </a:rPr>
+            </a:br>
+            <a:r>
+              <a:rPr lang="en-US" cap="none" dirty="0">
+                <a:solidFill>
+                  <a:schemeClr val="bg1"/>
+                </a:solidFill>
+                <a:latin typeface="Calibri" panose="020F0502020204030204" pitchFamily="34" charset="0"/>
+                <a:cs typeface="Calibri" panose="020F0502020204030204" pitchFamily="34" charset="0"/>
+              </a:rPr>
+              <a:t>		</a:t>
+            </a:r>
+            <a:r>
+              <a:rPr lang="en-US" cap="none" dirty="0" err="1">
+                <a:solidFill>
+                  <a:schemeClr val="bg1"/>
+                </a:solidFill>
+                <a:latin typeface="Calibri" panose="020F0502020204030204" pitchFamily="34" charset="0"/>
+                <a:cs typeface="Calibri" panose="020F0502020204030204" pitchFamily="34" charset="0"/>
+              </a:rPr>
+              <a:t>npm</a:t>
+            </a:r>
+            <a:r>
+              <a:rPr lang="en-US" cap="none" dirty="0">
+                <a:solidFill>
+                  <a:schemeClr val="bg1"/>
+                </a:solidFill>
+                <a:latin typeface="Calibri" panose="020F0502020204030204" pitchFamily="34" charset="0"/>
+                <a:cs typeface="Calibri" panose="020F0502020204030204" pitchFamily="34" charset="0"/>
+              </a:rPr>
+              <a:t> install </a:t>
+            </a:r>
+            <a:r>
+              <a:rPr lang="en-US" cap="none" dirty="0" err="1">
+                <a:solidFill>
+                  <a:schemeClr val="bg1"/>
+                </a:solidFill>
+                <a:latin typeface="Calibri" panose="020F0502020204030204" pitchFamily="34" charset="0"/>
+                <a:cs typeface="Calibri" panose="020F0502020204030204" pitchFamily="34" charset="0"/>
+              </a:rPr>
+              <a:t>jsonwebtoken</a:t>
+            </a:r>
+            <a:endParaRPr lang="en-US" cap="none" dirty="0">
+              <a:solidFill>
+                <a:schemeClr val="bg1"/>
+              </a:solidFill>
+              <a:latin typeface="Calibri" panose="020F0502020204030204" pitchFamily="34" charset="0"/>
+              <a:cs typeface="Calibri" panose="020F0502020204030204" pitchFamily="34" charset="0"/>
+            </a:endParaRPr>
+          </a:p>
+          <a:p>
+            <a:pPr marL="285750" indent="-285750" algn="l">
+              <a:buFont typeface="Arial" panose="020B0604020202020204" pitchFamily="34" charset="0"/>
+              <a:buChar char="•"/>
+            </a:pPr>
+            <a:r>
+              <a:rPr lang="en-US" cap="none" dirty="0">
+                <a:solidFill>
+                  <a:schemeClr val="bg1"/>
+                </a:solidFill>
+                <a:latin typeface="Calibri" panose="020F0502020204030204" pitchFamily="34" charset="0"/>
+                <a:cs typeface="Calibri" panose="020F0502020204030204" pitchFamily="34" charset="0"/>
+              </a:rPr>
+              <a:t>Then required it</a:t>
+            </a:r>
+            <a:br>
+              <a:rPr lang="en-US" cap="none" dirty="0">
+                <a:solidFill>
+                  <a:schemeClr val="bg1"/>
+                </a:solidFill>
+                <a:latin typeface="Calibri" panose="020F0502020204030204" pitchFamily="34" charset="0"/>
+                <a:cs typeface="Calibri" panose="020F0502020204030204" pitchFamily="34" charset="0"/>
+              </a:rPr>
+            </a:br>
+            <a:r>
+              <a:rPr lang="en-US" cap="none" dirty="0">
+                <a:solidFill>
+                  <a:schemeClr val="bg1"/>
+                </a:solidFill>
+                <a:latin typeface="Calibri" panose="020F0502020204030204" pitchFamily="34" charset="0"/>
+                <a:cs typeface="Calibri" panose="020F0502020204030204" pitchFamily="34" charset="0"/>
+              </a:rPr>
+              <a:t>		const </a:t>
+            </a:r>
+            <a:r>
+              <a:rPr lang="en-US" cap="none" dirty="0" err="1">
+                <a:solidFill>
+                  <a:schemeClr val="bg1"/>
+                </a:solidFill>
+                <a:latin typeface="Calibri" panose="020F0502020204030204" pitchFamily="34" charset="0"/>
+                <a:cs typeface="Calibri" panose="020F0502020204030204" pitchFamily="34" charset="0"/>
+              </a:rPr>
+              <a:t>jwt</a:t>
+            </a:r>
+            <a:r>
+              <a:rPr lang="en-US" cap="none" dirty="0">
+                <a:solidFill>
+                  <a:schemeClr val="bg1"/>
+                </a:solidFill>
+                <a:latin typeface="Calibri" panose="020F0502020204030204" pitchFamily="34" charset="0"/>
+                <a:cs typeface="Calibri" panose="020F0502020204030204" pitchFamily="34" charset="0"/>
+              </a:rPr>
+              <a:t> = require(“</a:t>
+            </a:r>
+            <a:r>
+              <a:rPr lang="en-US" cap="none" dirty="0" err="1">
+                <a:solidFill>
+                  <a:schemeClr val="bg1"/>
+                </a:solidFill>
+                <a:latin typeface="Calibri" panose="020F0502020204030204" pitchFamily="34" charset="0"/>
+                <a:cs typeface="Calibri" panose="020F0502020204030204" pitchFamily="34" charset="0"/>
+              </a:rPr>
+              <a:t>jsonwebtoken</a:t>
+            </a:r>
+            <a:r>
+              <a:rPr lang="en-US" cap="none" dirty="0">
+                <a:solidFill>
+                  <a:schemeClr val="bg1"/>
+                </a:solidFill>
+                <a:latin typeface="Calibri" panose="020F0502020204030204" pitchFamily="34" charset="0"/>
+                <a:cs typeface="Calibri" panose="020F0502020204030204" pitchFamily="34" charset="0"/>
+              </a:rPr>
+              <a:t>”)</a:t>
+            </a:r>
+          </a:p>
+          <a:p>
+            <a:pPr marL="285750" indent="-285750" algn="l">
+              <a:buFont typeface="Arial" panose="020B0604020202020204" pitchFamily="34" charset="0"/>
+              <a:buChar char="•"/>
+            </a:pPr>
+            <a:r>
+              <a:rPr lang="en-US" cap="none" dirty="0">
+                <a:solidFill>
+                  <a:schemeClr val="bg1"/>
+                </a:solidFill>
+                <a:latin typeface="Calibri" panose="020F0502020204030204" pitchFamily="34" charset="0"/>
+                <a:cs typeface="Calibri" panose="020F0502020204030204" pitchFamily="34" charset="0"/>
+              </a:rPr>
+              <a:t>To generate token</a:t>
+            </a:r>
+            <a:br>
+              <a:rPr lang="en-US" cap="none" dirty="0">
+                <a:solidFill>
+                  <a:schemeClr val="bg1"/>
+                </a:solidFill>
+                <a:latin typeface="Calibri" panose="020F0502020204030204" pitchFamily="34" charset="0"/>
+                <a:cs typeface="Calibri" panose="020F0502020204030204" pitchFamily="34" charset="0"/>
+              </a:rPr>
+            </a:br>
+            <a:r>
+              <a:rPr lang="en-US" cap="none" dirty="0">
+                <a:solidFill>
+                  <a:schemeClr val="bg1"/>
+                </a:solidFill>
+                <a:latin typeface="Calibri" panose="020F0502020204030204" pitchFamily="34" charset="0"/>
+                <a:cs typeface="Calibri" panose="020F0502020204030204" pitchFamily="34" charset="0"/>
+              </a:rPr>
+              <a:t>		</a:t>
+            </a:r>
+            <a:r>
+              <a:rPr lang="en-US" cap="none" dirty="0" err="1">
+                <a:solidFill>
+                  <a:schemeClr val="bg1"/>
+                </a:solidFill>
+                <a:latin typeface="Calibri" panose="020F0502020204030204" pitchFamily="34" charset="0"/>
+                <a:cs typeface="Calibri" panose="020F0502020204030204" pitchFamily="34" charset="0"/>
+              </a:rPr>
+              <a:t>jwt.sign</a:t>
+            </a:r>
+            <a:r>
+              <a:rPr lang="en-US" cap="none" dirty="0">
+                <a:solidFill>
+                  <a:schemeClr val="bg1"/>
+                </a:solidFill>
+                <a:latin typeface="Calibri" panose="020F0502020204030204" pitchFamily="34" charset="0"/>
+                <a:cs typeface="Calibri" panose="020F0502020204030204" pitchFamily="34" charset="0"/>
+              </a:rPr>
+              <a:t>(&lt;</a:t>
+            </a:r>
+            <a:r>
+              <a:rPr lang="en-US" cap="none" dirty="0" err="1">
+                <a:solidFill>
+                  <a:schemeClr val="bg1"/>
+                </a:solidFill>
+                <a:latin typeface="Calibri" panose="020F0502020204030204" pitchFamily="34" charset="0"/>
+                <a:cs typeface="Calibri" panose="020F0502020204030204" pitchFamily="34" charset="0"/>
+              </a:rPr>
+              <a:t>js_object</a:t>
+            </a:r>
+            <a:r>
+              <a:rPr lang="en-US" cap="none" dirty="0">
+                <a:solidFill>
+                  <a:schemeClr val="bg1"/>
+                </a:solidFill>
+                <a:latin typeface="Calibri" panose="020F0502020204030204" pitchFamily="34" charset="0"/>
+                <a:cs typeface="Calibri" panose="020F0502020204030204" pitchFamily="34" charset="0"/>
+              </a:rPr>
+              <a:t>&gt;, &lt;</a:t>
+            </a:r>
+            <a:r>
+              <a:rPr lang="en-US" cap="none" dirty="0" err="1">
+                <a:solidFill>
+                  <a:schemeClr val="bg1"/>
+                </a:solidFill>
+                <a:latin typeface="Calibri" panose="020F0502020204030204" pitchFamily="34" charset="0"/>
+                <a:cs typeface="Calibri" panose="020F0502020204030204" pitchFamily="34" charset="0"/>
+              </a:rPr>
+              <a:t>Secret_key</a:t>
+            </a:r>
+            <a:r>
+              <a:rPr lang="en-US" cap="none" dirty="0">
+                <a:solidFill>
+                  <a:schemeClr val="bg1"/>
+                </a:solidFill>
+                <a:latin typeface="Calibri" panose="020F0502020204030204" pitchFamily="34" charset="0"/>
+                <a:cs typeface="Calibri" panose="020F0502020204030204" pitchFamily="34" charset="0"/>
+              </a:rPr>
+              <a:t>&gt;)</a:t>
+            </a:r>
+          </a:p>
+          <a:p>
+            <a:pPr marL="285750" indent="-285750" algn="l">
+              <a:buFont typeface="Arial" panose="020B0604020202020204" pitchFamily="34" charset="0"/>
+              <a:buChar char="•"/>
+            </a:pPr>
+            <a:r>
+              <a:rPr lang="en-US" cap="none" dirty="0">
+                <a:solidFill>
+                  <a:schemeClr val="bg1"/>
+                </a:solidFill>
+                <a:latin typeface="Calibri" panose="020F0502020204030204" pitchFamily="34" charset="0"/>
+                <a:cs typeface="Calibri" panose="020F0502020204030204" pitchFamily="34" charset="0"/>
+              </a:rPr>
+              <a:t>To verify token</a:t>
+            </a:r>
+            <a:br>
+              <a:rPr lang="en-US" cap="none" dirty="0">
+                <a:solidFill>
+                  <a:schemeClr val="bg1"/>
+                </a:solidFill>
+                <a:latin typeface="Calibri" panose="020F0502020204030204" pitchFamily="34" charset="0"/>
+                <a:cs typeface="Calibri" panose="020F0502020204030204" pitchFamily="34" charset="0"/>
+              </a:rPr>
+            </a:br>
+            <a:r>
+              <a:rPr lang="en-US" cap="none" dirty="0">
+                <a:solidFill>
+                  <a:schemeClr val="bg1"/>
+                </a:solidFill>
+                <a:latin typeface="Calibri" panose="020F0502020204030204" pitchFamily="34" charset="0"/>
+                <a:cs typeface="Calibri" panose="020F0502020204030204" pitchFamily="34" charset="0"/>
+              </a:rPr>
+              <a:t>		</a:t>
+            </a:r>
+            <a:r>
+              <a:rPr lang="en-US" cap="none" dirty="0" err="1">
+                <a:solidFill>
+                  <a:schemeClr val="bg1"/>
+                </a:solidFill>
+                <a:latin typeface="Calibri" panose="020F0502020204030204" pitchFamily="34" charset="0"/>
+                <a:cs typeface="Calibri" panose="020F0502020204030204" pitchFamily="34" charset="0"/>
+              </a:rPr>
+              <a:t>jwt.verify</a:t>
+            </a:r>
+            <a:r>
+              <a:rPr lang="en-US" cap="none" dirty="0">
+                <a:solidFill>
+                  <a:schemeClr val="bg1"/>
+                </a:solidFill>
+                <a:latin typeface="Calibri" panose="020F0502020204030204" pitchFamily="34" charset="0"/>
+                <a:cs typeface="Calibri" panose="020F0502020204030204" pitchFamily="34" charset="0"/>
+              </a:rPr>
+              <a:t>(&lt;</a:t>
+            </a:r>
+            <a:r>
+              <a:rPr lang="en-US" cap="none" dirty="0" err="1">
+                <a:solidFill>
+                  <a:schemeClr val="bg1"/>
+                </a:solidFill>
+                <a:latin typeface="Calibri" panose="020F0502020204030204" pitchFamily="34" charset="0"/>
+                <a:cs typeface="Calibri" panose="020F0502020204030204" pitchFamily="34" charset="0"/>
+              </a:rPr>
+              <a:t>token_here</a:t>
+            </a:r>
+            <a:r>
+              <a:rPr lang="en-US" cap="none" dirty="0">
+                <a:solidFill>
+                  <a:schemeClr val="bg1"/>
+                </a:solidFill>
+                <a:latin typeface="Calibri" panose="020F0502020204030204" pitchFamily="34" charset="0"/>
+                <a:cs typeface="Calibri" panose="020F0502020204030204" pitchFamily="34" charset="0"/>
+              </a:rPr>
+              <a:t>&gt;, &lt;</a:t>
+            </a:r>
+            <a:r>
+              <a:rPr lang="en-US" cap="none" dirty="0" err="1">
+                <a:solidFill>
+                  <a:schemeClr val="bg1"/>
+                </a:solidFill>
+                <a:latin typeface="Calibri" panose="020F0502020204030204" pitchFamily="34" charset="0"/>
+                <a:cs typeface="Calibri" panose="020F0502020204030204" pitchFamily="34" charset="0"/>
+              </a:rPr>
+              <a:t>Secret_key</a:t>
+            </a:r>
+            <a:r>
+              <a:rPr lang="en-US" cap="none" dirty="0">
+                <a:solidFill>
+                  <a:schemeClr val="bg1"/>
+                </a:solidFill>
+                <a:latin typeface="Calibri" panose="020F0502020204030204" pitchFamily="34" charset="0"/>
+                <a:cs typeface="Calibri" panose="020F0502020204030204" pitchFamily="34" charset="0"/>
+              </a:rPr>
+              <a:t>&gt;, (</a:t>
+            </a:r>
+            <a:r>
+              <a:rPr lang="en-US" cap="none" dirty="0" err="1">
+                <a:solidFill>
+                  <a:schemeClr val="bg1"/>
+                </a:solidFill>
+                <a:latin typeface="Calibri" panose="020F0502020204030204" pitchFamily="34" charset="0"/>
+                <a:cs typeface="Calibri" panose="020F0502020204030204" pitchFamily="34" charset="0"/>
+              </a:rPr>
+              <a:t>err,user</a:t>
+            </a:r>
+            <a:r>
+              <a:rPr lang="en-US" cap="none" dirty="0">
+                <a:solidFill>
+                  <a:schemeClr val="bg1"/>
+                </a:solidFill>
+                <a:latin typeface="Calibri" panose="020F0502020204030204" pitchFamily="34" charset="0"/>
+                <a:cs typeface="Calibri" panose="020F0502020204030204" pitchFamily="34" charset="0"/>
+              </a:rPr>
+              <a:t>)=&gt;{})</a:t>
+            </a:r>
+          </a:p>
+        </p:txBody>
+      </p:sp>
+    </p:spTree>
+    <p:extLst>
+      <p:ext uri="{BB962C8B-B14F-4D97-AF65-F5344CB8AC3E}">
+        <p14:creationId xmlns:p14="http://schemas.microsoft.com/office/powerpoint/2010/main" val="2163809763"/>
+      </p:ext>
+    </p:extLst>
+  </p:cSld>
+  <p:clrMapOvr>
+    <a:masterClrMapping/>
+  </p:clrMapOvr>
+</p:sld>
+</file>
+
 <file path=ppt/slides/slide2.xml><?xml version="1.0" encoding="utf-8"?>
 <p:sld xmlns:a="http://schemas.openxmlformats.org/drawingml/2006/main" xmlns:r="http://schemas.openxmlformats.org/officeDocument/2006/relationships" xmlns:p="http://schemas.openxmlformats.org/presentationml/2006/main">
   <p:cSld>
